--- a/L-10.pptx
+++ b/L-10.pptx
@@ -10,17 +10,18 @@
     <p:sldId id="259" r:id="rId4"/>
     <p:sldId id="307" r:id="rId5"/>
     <p:sldId id="308" r:id="rId6"/>
-    <p:sldId id="309" r:id="rId7"/>
-    <p:sldId id="310" r:id="rId8"/>
-    <p:sldId id="311" r:id="rId9"/>
-    <p:sldId id="312" r:id="rId10"/>
-    <p:sldId id="313" r:id="rId11"/>
-    <p:sldId id="314" r:id="rId12"/>
-    <p:sldId id="263" r:id="rId13"/>
-    <p:sldId id="264" r:id="rId14"/>
-    <p:sldId id="277" r:id="rId15"/>
-    <p:sldId id="278" r:id="rId16"/>
-    <p:sldId id="265" r:id="rId17"/>
+    <p:sldId id="315" r:id="rId7"/>
+    <p:sldId id="309" r:id="rId8"/>
+    <p:sldId id="310" r:id="rId9"/>
+    <p:sldId id="311" r:id="rId10"/>
+    <p:sldId id="312" r:id="rId11"/>
+    <p:sldId id="313" r:id="rId12"/>
+    <p:sldId id="314" r:id="rId13"/>
+    <p:sldId id="263" r:id="rId14"/>
+    <p:sldId id="264" r:id="rId15"/>
+    <p:sldId id="277" r:id="rId16"/>
+    <p:sldId id="278" r:id="rId17"/>
+    <p:sldId id="265" r:id="rId18"/>
   </p:sldIdLst>
   <p:sldSz cx="9144000" cy="6858000" type="screen4x3"/>
   <p:notesSz cx="6858000" cy="9144000"/>
@@ -447,7 +448,7 @@
             <a:fld id="{1D8BD707-D9CF-40AE-B4C6-C98DA3205C09}" type="datetimeFigureOut">
               <a:rPr lang="en-US" smtClean="0"/>
               <a:pPr/>
-              <a:t>9/9/2020</a:t>
+              <a:t>9/10/2020</a:t>
             </a:fld>
             <a:endParaRPr lang="en-US"/>
           </a:p>
@@ -614,7 +615,7 @@
             <a:fld id="{1D8BD707-D9CF-40AE-B4C6-C98DA3205C09}" type="datetimeFigureOut">
               <a:rPr lang="en-US" smtClean="0"/>
               <a:pPr/>
-              <a:t>9/9/2020</a:t>
+              <a:t>9/10/2020</a:t>
             </a:fld>
             <a:endParaRPr lang="en-US"/>
           </a:p>
@@ -846,7 +847,7 @@
             <a:fld id="{1D8BD707-D9CF-40AE-B4C6-C98DA3205C09}" type="datetimeFigureOut">
               <a:rPr lang="en-US" smtClean="0"/>
               <a:pPr/>
-              <a:t>9/9/2020</a:t>
+              <a:t>9/10/2020</a:t>
             </a:fld>
             <a:endParaRPr lang="en-US"/>
           </a:p>
@@ -1046,7 +1047,7 @@
             <a:fld id="{1D8BD707-D9CF-40AE-B4C6-C98DA3205C09}" type="datetimeFigureOut">
               <a:rPr lang="en-US" smtClean="0"/>
               <a:pPr/>
-              <a:t>9/9/2020</a:t>
+              <a:t>9/10/2020</a:t>
             </a:fld>
             <a:endParaRPr lang="en-US"/>
           </a:p>
@@ -1456,7 +1457,7 @@
             <a:fld id="{1D8BD707-D9CF-40AE-B4C6-C98DA3205C09}" type="datetimeFigureOut">
               <a:rPr lang="en-US" smtClean="0"/>
               <a:pPr/>
-              <a:t>9/9/2020</a:t>
+              <a:t>9/10/2020</a:t>
             </a:fld>
             <a:endParaRPr lang="en-US"/>
           </a:p>
@@ -1662,7 +1663,7 @@
             <a:fld id="{1D8BD707-D9CF-40AE-B4C6-C98DA3205C09}" type="datetimeFigureOut">
               <a:rPr lang="en-US" smtClean="0"/>
               <a:pPr/>
-              <a:t>9/9/2020</a:t>
+              <a:t>9/10/2020</a:t>
             </a:fld>
             <a:endParaRPr lang="en-US"/>
           </a:p>
@@ -2070,7 +2071,7 @@
             <a:fld id="{1D8BD707-D9CF-40AE-B4C6-C98DA3205C09}" type="datetimeFigureOut">
               <a:rPr lang="en-US" smtClean="0"/>
               <a:pPr/>
-              <a:t>9/9/2020</a:t>
+              <a:t>9/10/2020</a:t>
             </a:fld>
             <a:endParaRPr lang="en-US"/>
           </a:p>
@@ -2208,7 +2209,7 @@
             <a:fld id="{1D8BD707-D9CF-40AE-B4C6-C98DA3205C09}" type="datetimeFigureOut">
               <a:rPr lang="en-US" smtClean="0"/>
               <a:pPr/>
-              <a:t>9/9/2020</a:t>
+              <a:t>9/10/2020</a:t>
             </a:fld>
             <a:endParaRPr lang="en-US"/>
           </a:p>
@@ -2300,7 +2301,7 @@
             <a:fld id="{1D8BD707-D9CF-40AE-B4C6-C98DA3205C09}" type="datetimeFigureOut">
               <a:rPr lang="en-US" smtClean="0"/>
               <a:pPr/>
-              <a:t>9/9/2020</a:t>
+              <a:t>9/10/2020</a:t>
             </a:fld>
             <a:endParaRPr lang="en-US"/>
           </a:p>
@@ -2556,7 +2557,7 @@
             <a:fld id="{1D8BD707-D9CF-40AE-B4C6-C98DA3205C09}" type="datetimeFigureOut">
               <a:rPr lang="en-US" smtClean="0"/>
               <a:pPr/>
-              <a:t>9/9/2020</a:t>
+              <a:t>9/10/2020</a:t>
             </a:fld>
             <a:endParaRPr lang="en-US"/>
           </a:p>
@@ -2856,7 +2857,7 @@
             <a:fld id="{1D8BD707-D9CF-40AE-B4C6-C98DA3205C09}" type="datetimeFigureOut">
               <a:rPr lang="en-US" smtClean="0"/>
               <a:pPr/>
-              <a:t>9/9/2020</a:t>
+              <a:t>9/10/2020</a:t>
             </a:fld>
             <a:endParaRPr lang="en-US"/>
           </a:p>
@@ -3089,7 +3090,7 @@
             <a:fld id="{1D8BD707-D9CF-40AE-B4C6-C98DA3205C09}" type="datetimeFigureOut">
               <a:rPr lang="en-US" smtClean="0"/>
               <a:pPr/>
-              <a:t>9/9/2020</a:t>
+              <a:t>9/10/2020</a:t>
             </a:fld>
             <a:endParaRPr lang="en-US"/>
           </a:p>
@@ -3757,7 +3758,19 @@
             </a:br>
             <a:r>
               <a:rPr lang="en-US" sz="2000" dirty="0" smtClean="0"/>
-              <a:t>  09/09/2020</a:t>
+              <a:t>  </a:t>
+            </a:r>
+            <a:r>
+              <a:rPr lang="en-US" sz="2000" dirty="0" smtClean="0"/>
+              <a:t>10</a:t>
+            </a:r>
+            <a:r>
+              <a:rPr lang="en-US" sz="2000" dirty="0" smtClean="0"/>
+              <a:t>/09/2020</a:t>
+            </a:r>
+            <a:r>
+              <a:rPr lang="en-US" sz="2000" dirty="0" smtClean="0"/>
+              <a:t/>
             </a:r>
             <a:br>
               <a:rPr lang="en-US" sz="2000" dirty="0" smtClean="0"/>
@@ -3822,6 +3835,203 @@
 </file>
 
 <file path=ppt/slides/slide10.xml><?xml version="1.0" encoding="utf-8"?>
+<p:sld xmlns:a="http://schemas.openxmlformats.org/drawingml/2006/main" xmlns:r="http://schemas.openxmlformats.org/officeDocument/2006/relationships" xmlns:p="http://schemas.openxmlformats.org/presentationml/2006/main">
+  <p:cSld>
+    <p:spTree>
+      <p:nvGrpSpPr>
+        <p:cNvPr id="1" name=""/>
+        <p:cNvGrpSpPr/>
+        <p:nvPr/>
+      </p:nvGrpSpPr>
+      <p:grpSpPr>
+        <a:xfrm>
+          <a:off x="0" y="0"/>
+          <a:ext cx="0" cy="0"/>
+          <a:chOff x="0" y="0"/>
+          <a:chExt cx="0" cy="0"/>
+        </a:xfrm>
+      </p:grpSpPr>
+      <p:pic>
+        <p:nvPicPr>
+          <p:cNvPr id="4098" name="Picture 2"/>
+          <p:cNvPicPr>
+            <a:picLocks noChangeAspect="1" noChangeArrowheads="1"/>
+          </p:cNvPicPr>
+          <p:nvPr/>
+        </p:nvPicPr>
+        <p:blipFill>
+          <a:blip r:embed="rId2">
+            <a:extLst>
+              <a:ext uri="{28A0092B-C50C-407E-A947-70E740481C1C}">
+                <a14:useLocalDpi xmlns:a14="http://schemas.microsoft.com/office/drawing/2010/main" val="0"/>
+              </a:ext>
+            </a:extLst>
+          </a:blip>
+          <a:srcRect/>
+          <a:stretch>
+            <a:fillRect/>
+          </a:stretch>
+        </p:blipFill>
+        <p:spPr bwMode="auto">
+          <a:xfrm>
+            <a:off x="152401" y="381000"/>
+            <a:ext cx="8686800" cy="933628"/>
+          </a:xfrm>
+          <a:prstGeom prst="rect">
+            <a:avLst/>
+          </a:prstGeom>
+          <a:noFill/>
+          <a:ln>
+            <a:noFill/>
+          </a:ln>
+          <a:effectLst/>
+          <a:extLst>
+            <a:ext uri="{909E8E84-426E-40DD-AFC4-6F175D3DCCD1}">
+              <a14:hiddenFill xmlns:a14="http://schemas.microsoft.com/office/drawing/2010/main">
+                <a:solidFill>
+                  <a:schemeClr val="accent1"/>
+                </a:solidFill>
+              </a14:hiddenFill>
+            </a:ext>
+            <a:ext uri="{91240B29-F687-4F45-9708-019B960494DF}">
+              <a14:hiddenLine xmlns:a14="http://schemas.microsoft.com/office/drawing/2010/main" w="9525">
+                <a:solidFill>
+                  <a:schemeClr val="tx1"/>
+                </a:solidFill>
+                <a:miter lim="800000"/>
+                <a:headEnd/>
+                <a:tailEnd/>
+              </a14:hiddenLine>
+            </a:ext>
+            <a:ext uri="{AF507438-7753-43E0-B8FC-AC1667EBCBE1}">
+              <a14:hiddenEffects xmlns:a14="http://schemas.microsoft.com/office/drawing/2010/main">
+                <a:effectLst>
+                  <a:outerShdw dist="35921" dir="2700000" algn="ctr" rotWithShape="0">
+                    <a:schemeClr val="bg2"/>
+                  </a:outerShdw>
+                </a:effectLst>
+              </a14:hiddenEffects>
+            </a:ext>
+          </a:extLst>
+        </p:spPr>
+      </p:pic>
+      <p:sp>
+        <p:nvSpPr>
+          <p:cNvPr id="6" name="Rectangle 5"/>
+          <p:cNvSpPr/>
+          <p:nvPr/>
+        </p:nvSpPr>
+        <p:spPr>
+          <a:xfrm>
+            <a:off x="3207884" y="1524000"/>
+            <a:ext cx="2502095" cy="369332"/>
+          </a:xfrm>
+          <a:prstGeom prst="rect">
+            <a:avLst/>
+          </a:prstGeom>
+        </p:spPr>
+        <p:txBody>
+          <a:bodyPr wrap="none">
+            <a:spAutoFit/>
+          </a:bodyPr>
+          <a:lstStyle/>
+          <a:p>
+            <a:r>
+              <a:rPr lang="en-US" dirty="0" smtClean="0"/>
+              <a:t>WATERFALL  </a:t>
+            </a:r>
+            <a:r>
+              <a:rPr lang="en-US" dirty="0"/>
+              <a:t>MODEL </a:t>
+            </a:r>
+          </a:p>
+        </p:txBody>
+      </p:sp>
+      <p:pic>
+        <p:nvPicPr>
+          <p:cNvPr id="4099" name="Picture 3"/>
+          <p:cNvPicPr>
+            <a:picLocks noChangeAspect="1" noChangeArrowheads="1"/>
+          </p:cNvPicPr>
+          <p:nvPr/>
+        </p:nvPicPr>
+        <p:blipFill>
+          <a:blip r:embed="rId3">
+            <a:extLst>
+              <a:ext uri="{28A0092B-C50C-407E-A947-70E740481C1C}">
+                <a14:useLocalDpi xmlns:a14="http://schemas.microsoft.com/office/drawing/2010/main" val="0"/>
+              </a:ext>
+            </a:extLst>
+          </a:blip>
+          <a:srcRect/>
+          <a:stretch>
+            <a:fillRect/>
+          </a:stretch>
+        </p:blipFill>
+        <p:spPr bwMode="auto">
+          <a:xfrm>
+            <a:off x="555664" y="2721970"/>
+            <a:ext cx="7880273" cy="2154829"/>
+          </a:xfrm>
+          <a:prstGeom prst="rect">
+            <a:avLst/>
+          </a:prstGeom>
+          <a:noFill/>
+          <a:ln>
+            <a:noFill/>
+          </a:ln>
+          <a:effectLst/>
+          <a:extLst>
+            <a:ext uri="{909E8E84-426E-40DD-AFC4-6F175D3DCCD1}">
+              <a14:hiddenFill xmlns:a14="http://schemas.microsoft.com/office/drawing/2010/main">
+                <a:solidFill>
+                  <a:schemeClr val="accent1"/>
+                </a:solidFill>
+              </a14:hiddenFill>
+            </a:ext>
+            <a:ext uri="{91240B29-F687-4F45-9708-019B960494DF}">
+              <a14:hiddenLine xmlns:a14="http://schemas.microsoft.com/office/drawing/2010/main" w="9525">
+                <a:solidFill>
+                  <a:schemeClr val="tx1"/>
+                </a:solidFill>
+                <a:miter lim="800000"/>
+                <a:headEnd/>
+                <a:tailEnd/>
+              </a14:hiddenLine>
+            </a:ext>
+            <a:ext uri="{AF507438-7753-43E0-B8FC-AC1667EBCBE1}">
+              <a14:hiddenEffects xmlns:a14="http://schemas.microsoft.com/office/drawing/2010/main">
+                <a:effectLst>
+                  <a:outerShdw dist="35921" dir="2700000" algn="ctr" rotWithShape="0">
+                    <a:schemeClr val="bg2"/>
+                  </a:outerShdw>
+                </a:effectLst>
+              </a14:hiddenEffects>
+            </a:ext>
+          </a:extLst>
+        </p:spPr>
+      </p:pic>
+    </p:spTree>
+    <p:extLst>
+      <p:ext uri="{BB962C8B-B14F-4D97-AF65-F5344CB8AC3E}">
+        <p14:creationId xmlns:p14="http://schemas.microsoft.com/office/powerpoint/2010/main" val="1146739957"/>
+      </p:ext>
+    </p:extLst>
+  </p:cSld>
+  <p:clrMapOvr>
+    <a:masterClrMapping/>
+  </p:clrMapOvr>
+  <p:timing>
+    <p:tnLst>
+      <p:par>
+        <p:cTn id="1" dur="indefinite" restart="never" nodeType="tmRoot"/>
+      </p:par>
+    </p:tnLst>
+  </p:timing>
+</p:sld>
+</file>
+
+<file path=ppt/slides/slide11.xml><?xml version="1.0" encoding="utf-8"?>
 <p:sld xmlns:a="http://schemas.openxmlformats.org/drawingml/2006/main" xmlns:r="http://schemas.openxmlformats.org/officeDocument/2006/relationships" xmlns:p="http://schemas.openxmlformats.org/presentationml/2006/main">
   <p:cSld>
     <p:spTree>
@@ -3922,7 +4132,7 @@
 </p:sld>
 </file>
 
-<file path=ppt/slides/slide11.xml><?xml version="1.0" encoding="utf-8"?>
+<file path=ppt/slides/slide12.xml><?xml version="1.0" encoding="utf-8"?>
 <p:sld xmlns:a="http://schemas.openxmlformats.org/drawingml/2006/main" xmlns:r="http://schemas.openxmlformats.org/officeDocument/2006/relationships" xmlns:p="http://schemas.openxmlformats.org/presentationml/2006/main">
   <p:cSld>
     <p:spTree>
@@ -4105,7 +4315,7 @@
 </p:sld>
 </file>
 
-<file path=ppt/slides/slide12.xml><?xml version="1.0" encoding="utf-8"?>
+<file path=ppt/slides/slide13.xml><?xml version="1.0" encoding="utf-8"?>
 <p:sld xmlns:a="http://schemas.openxmlformats.org/drawingml/2006/main" xmlns:r="http://schemas.openxmlformats.org/officeDocument/2006/relationships" xmlns:p="http://schemas.openxmlformats.org/presentationml/2006/main">
   <p:cSld>
     <p:spTree>
@@ -4206,7 +4416,7 @@
 </p:sld>
 </file>
 
-<file path=ppt/slides/slide13.xml><?xml version="1.0" encoding="utf-8"?>
+<file path=ppt/slides/slide14.xml><?xml version="1.0" encoding="utf-8"?>
 <p:sld xmlns:a="http://schemas.openxmlformats.org/drawingml/2006/main" xmlns:r="http://schemas.openxmlformats.org/officeDocument/2006/relationships" xmlns:p="http://schemas.openxmlformats.org/presentationml/2006/main">
   <p:cSld>
     <p:spTree>
@@ -4430,7 +4640,7 @@
 </p:sld>
 </file>
 
-<file path=ppt/slides/slide14.xml><?xml version="1.0" encoding="utf-8"?>
+<file path=ppt/slides/slide15.xml><?xml version="1.0" encoding="utf-8"?>
 <p:sld xmlns:a="http://schemas.openxmlformats.org/drawingml/2006/main" xmlns:r="http://schemas.openxmlformats.org/officeDocument/2006/relationships" xmlns:p="http://schemas.openxmlformats.org/presentationml/2006/main">
   <p:cSld>
     <p:spTree>
@@ -4550,7 +4760,7 @@
 </p:sld>
 </file>
 
-<file path=ppt/slides/slide15.xml><?xml version="1.0" encoding="utf-8"?>
+<file path=ppt/slides/slide16.xml><?xml version="1.0" encoding="utf-8"?>
 <p:sld xmlns:a="http://schemas.openxmlformats.org/drawingml/2006/main" xmlns:r="http://schemas.openxmlformats.org/officeDocument/2006/relationships" xmlns:p="http://schemas.openxmlformats.org/presentationml/2006/main">
   <p:cSld>
     <p:spTree>
@@ -4682,7 +4892,7 @@
 </p:sld>
 </file>
 
-<file path=ppt/slides/slide16.xml><?xml version="1.0" encoding="utf-8"?>
+<file path=ppt/slides/slide17.xml><?xml version="1.0" encoding="utf-8"?>
 <p:sld xmlns:a="http://schemas.openxmlformats.org/drawingml/2006/main" xmlns:r="http://schemas.openxmlformats.org/officeDocument/2006/relationships" xmlns:p="http://schemas.openxmlformats.org/presentationml/2006/main">
   <p:cSld>
     <p:spTree>
@@ -5409,6 +5619,13 @@
   <p:clrMapOvr>
     <a:masterClrMapping/>
   </p:clrMapOvr>
+  <p:timing>
+    <p:tnLst>
+      <p:par>
+        <p:cTn id="1" dur="indefinite" restart="never" nodeType="tmRoot"/>
+      </p:par>
+    </p:tnLst>
+  </p:timing>
 </p:sld>
 </file>
 
@@ -5652,10 +5869,144 @@
   <p:clrMapOvr>
     <a:masterClrMapping/>
   </p:clrMapOvr>
+  <p:timing>
+    <p:tnLst>
+      <p:par>
+        <p:cTn id="1" dur="indefinite" restart="never" nodeType="tmRoot"/>
+      </p:par>
+    </p:tnLst>
+  </p:timing>
 </p:sld>
 </file>
 
 <file path=ppt/slides/slide6.xml><?xml version="1.0" encoding="utf-8"?>
+<p:sld xmlns:a="http://schemas.openxmlformats.org/drawingml/2006/main" xmlns:r="http://schemas.openxmlformats.org/officeDocument/2006/relationships" xmlns:p="http://schemas.openxmlformats.org/presentationml/2006/main">
+  <p:cSld>
+    <p:spTree>
+      <p:nvGrpSpPr>
+        <p:cNvPr id="1" name=""/>
+        <p:cNvGrpSpPr/>
+        <p:nvPr/>
+      </p:nvGrpSpPr>
+      <p:grpSpPr>
+        <a:xfrm>
+          <a:off x="0" y="0"/>
+          <a:ext cx="0" cy="0"/>
+          <a:chOff x="0" y="0"/>
+          <a:chExt cx="0" cy="0"/>
+        </a:xfrm>
+      </p:grpSpPr>
+      <p:sp>
+        <p:nvSpPr>
+          <p:cNvPr id="2" name="Content Placeholder 1"/>
+          <p:cNvSpPr>
+            <a:spLocks noGrp="1"/>
+          </p:cNvSpPr>
+          <p:nvPr>
+            <p:ph sz="quarter" idx="13"/>
+          </p:nvPr>
+        </p:nvSpPr>
+        <p:spPr/>
+        <p:txBody>
+          <a:bodyPr/>
+          <a:lstStyle/>
+          <a:p>
+            <a:r>
+              <a:rPr lang="en-US" dirty="0" smtClean="0"/>
+              <a:t>LAUNCH</a:t>
+            </a:r>
+          </a:p>
+          <a:p>
+            <a:r>
+              <a:rPr lang="en-US" dirty="0" smtClean="0"/>
+              <a:t>STRATEGY</a:t>
+            </a:r>
+          </a:p>
+          <a:p>
+            <a:r>
+              <a:rPr lang="en-US" dirty="0" smtClean="0"/>
+              <a:t>PLAN </a:t>
+            </a:r>
+          </a:p>
+          <a:p>
+            <a:r>
+              <a:rPr lang="en-US" dirty="0" smtClean="0"/>
+              <a:t>REQUIREMENTS</a:t>
+            </a:r>
+          </a:p>
+          <a:p>
+            <a:r>
+              <a:rPr lang="en-US" dirty="0" smtClean="0"/>
+              <a:t>DESIGN</a:t>
+            </a:r>
+          </a:p>
+          <a:p>
+            <a:r>
+              <a:rPr lang="en-US" dirty="0" smtClean="0"/>
+              <a:t>IMPLEMENT</a:t>
+            </a:r>
+          </a:p>
+          <a:p>
+            <a:r>
+              <a:rPr lang="en-US" dirty="0" smtClean="0"/>
+              <a:t>TEST</a:t>
+            </a:r>
+          </a:p>
+          <a:p>
+            <a:r>
+              <a:rPr lang="en-US" dirty="0" smtClean="0"/>
+              <a:t>POSTMORTEM</a:t>
+            </a:r>
+          </a:p>
+          <a:p>
+            <a:endParaRPr lang="en-US" dirty="0"/>
+          </a:p>
+        </p:txBody>
+      </p:sp>
+      <p:sp>
+        <p:nvSpPr>
+          <p:cNvPr id="3" name="Title 2"/>
+          <p:cNvSpPr>
+            <a:spLocks noGrp="1"/>
+          </p:cNvSpPr>
+          <p:nvPr>
+            <p:ph type="title"/>
+          </p:nvPr>
+        </p:nvSpPr>
+        <p:spPr/>
+        <p:txBody>
+          <a:bodyPr/>
+          <a:lstStyle/>
+          <a:p>
+            <a:r>
+              <a:rPr lang="en-US" dirty="0" smtClean="0"/>
+              <a:t>LIFE CYCLE PROCESS</a:t>
+            </a:r>
+            <a:endParaRPr lang="en-US" dirty="0"/>
+          </a:p>
+        </p:txBody>
+      </p:sp>
+    </p:spTree>
+    <p:extLst>
+      <p:ext uri="{BB962C8B-B14F-4D97-AF65-F5344CB8AC3E}">
+        <p14:creationId xmlns:p14="http://schemas.microsoft.com/office/powerpoint/2010/main" val="1526598373"/>
+      </p:ext>
+    </p:extLst>
+  </p:cSld>
+  <p:clrMapOvr>
+    <a:masterClrMapping/>
+  </p:clrMapOvr>
+  <p:timing>
+    <p:tnLst>
+      <p:par>
+        <p:cTn id="1" dur="indefinite" restart="never" nodeType="tmRoot"/>
+      </p:par>
+    </p:tnLst>
+  </p:timing>
+</p:sld>
+</file>
+
+<file path=ppt/slides/slide7.xml><?xml version="1.0" encoding="utf-8"?>
 <p:sld xmlns:a="http://schemas.openxmlformats.org/drawingml/2006/main" xmlns:r="http://schemas.openxmlformats.org/officeDocument/2006/relationships" xmlns:p="http://schemas.openxmlformats.org/presentationml/2006/main">
   <p:cSld>
     <p:spTree>
@@ -5948,109 +6299,13 @@
   <p:clrMapOvr>
     <a:masterClrMapping/>
   </p:clrMapOvr>
-</p:sld>
-</file>
-
-<file path=ppt/slides/slide7.xml><?xml version="1.0" encoding="utf-8"?>
-<p:sld xmlns:a="http://schemas.openxmlformats.org/drawingml/2006/main" xmlns:r="http://schemas.openxmlformats.org/officeDocument/2006/relationships" xmlns:p="http://schemas.openxmlformats.org/presentationml/2006/main">
-  <p:cSld>
-    <p:spTree>
-      <p:nvGrpSpPr>
-        <p:cNvPr id="1" name=""/>
-        <p:cNvGrpSpPr/>
-        <p:nvPr/>
-      </p:nvGrpSpPr>
-      <p:grpSpPr>
-        <a:xfrm>
-          <a:off x="0" y="0"/>
-          <a:ext cx="0" cy="0"/>
-          <a:chOff x="0" y="0"/>
-          <a:chExt cx="0" cy="0"/>
-        </a:xfrm>
-      </p:grpSpPr>
-      <p:sp>
-        <p:nvSpPr>
-          <p:cNvPr id="2" name="Content Placeholder 1"/>
-          <p:cNvSpPr>
-            <a:spLocks noGrp="1"/>
-          </p:cNvSpPr>
-          <p:nvPr>
-            <p:ph sz="quarter" idx="13"/>
-          </p:nvPr>
-        </p:nvSpPr>
-        <p:spPr/>
-        <p:txBody>
-          <a:bodyPr/>
-          <a:lstStyle/>
-          <a:p>
-            <a:pPr algn="just"/>
-            <a:r>
-              <a:rPr lang="en-US" dirty="0"/>
-              <a:t>The waterfall model of conventional software management, which is still prevalent in many mature software organizations, has served its purpose. </a:t>
-            </a:r>
-            <a:endParaRPr lang="en-US" dirty="0" smtClean="0"/>
-          </a:p>
-          <a:p>
-            <a:pPr algn="just"/>
-            <a:endParaRPr lang="en-US" dirty="0"/>
-          </a:p>
-          <a:p>
-            <a:pPr algn="just"/>
-            <a:r>
-              <a:rPr lang="x-none"/>
-              <a:t>A comparison of conventional and modern software development models illustrates some of the critical discriminators in this transition.</a:t>
-            </a:r>
-            <a:endParaRPr lang="en-US" dirty="0"/>
-          </a:p>
-          <a:p>
-            <a:pPr algn="just"/>
-            <a:endParaRPr lang="en-US" dirty="0" smtClean="0"/>
-          </a:p>
-          <a:p>
-            <a:pPr algn="just"/>
-            <a:r>
-              <a:rPr lang="en-US" dirty="0" smtClean="0"/>
-              <a:t>The </a:t>
-            </a:r>
-            <a:r>
-              <a:rPr lang="en-US" dirty="0"/>
-              <a:t>life cycle typically follows a sequential transition from requirements to design to code to testing, with ad hoc documentation that attempts to capture complete intermediate representations at every stage.</a:t>
-            </a:r>
-          </a:p>
-        </p:txBody>
-      </p:sp>
-      <p:sp>
-        <p:nvSpPr>
-          <p:cNvPr id="3" name="Title 2"/>
-          <p:cNvSpPr>
-            <a:spLocks noGrp="1"/>
-          </p:cNvSpPr>
-          <p:nvPr>
-            <p:ph type="title"/>
-          </p:nvPr>
-        </p:nvSpPr>
-        <p:spPr/>
-        <p:txBody>
-          <a:bodyPr/>
-          <a:lstStyle/>
-          <a:p>
-            <a:r>
-              <a:rPr lang="en-US" dirty="0"/>
-              <a:t>Conventional Software Management</a:t>
-            </a:r>
-          </a:p>
-        </p:txBody>
-      </p:sp>
-    </p:spTree>
-    <p:extLst>
-      <p:ext uri="{BB962C8B-B14F-4D97-AF65-F5344CB8AC3E}">
-        <p14:creationId xmlns:p14="http://schemas.microsoft.com/office/powerpoint/2010/main" val="1431493666"/>
-      </p:ext>
-    </p:extLst>
-  </p:cSld>
-  <p:clrMapOvr>
-    <a:masterClrMapping/>
-  </p:clrMapOvr>
+  <p:timing>
+    <p:tnLst>
+      <p:par>
+        <p:cTn id="1" dur="indefinite" restart="never" nodeType="tmRoot"/>
+      </p:par>
+    </p:tnLst>
+  </p:timing>
 </p:sld>
 </file>
 
@@ -6081,26 +6336,15 @@
             <p:ph sz="quarter" idx="13"/>
           </p:nvPr>
         </p:nvSpPr>
-        <p:spPr>
-          <a:xfrm>
-            <a:off x="457200" y="1524000"/>
-            <a:ext cx="8229600" cy="4572000"/>
-          </a:xfrm>
-        </p:spPr>
-        <p:txBody>
-          <a:bodyPr>
-            <a:normAutofit lnSpcReduction="10000"/>
-          </a:bodyPr>
+        <p:spPr/>
+        <p:txBody>
+          <a:bodyPr/>
           <a:lstStyle/>
           <a:p>
             <a:pPr algn="just"/>
             <a:r>
-              <a:rPr lang="x-none"/>
-              <a:t>The top 10 principles of conventional software management are</a:t>
-            </a:r>
-            <a:r>
-              <a:rPr lang="x-none" smtClean="0"/>
-              <a:t>:</a:t>
+              <a:rPr lang="en-US" dirty="0"/>
+              <a:t>The waterfall model of conventional software management, which is still prevalent in many mature software organizations, has served its purpose. </a:t>
             </a:r>
             <a:endParaRPr lang="en-US" dirty="0" smtClean="0"/>
           </a:p>
@@ -6112,98 +6356,66 @@
             <a:pPr algn="just"/>
             <a:r>
               <a:rPr lang="x-none"/>
-              <a:t>1. Freeze requirements before design.</a:t>
+              <a:t>A comparison of conventional and modern software development models illustrates some of the critical discriminators in this transition.</a:t>
             </a:r>
             <a:endParaRPr lang="en-US" dirty="0"/>
           </a:p>
           <a:p>
             <a:pPr algn="just"/>
-            <a:r>
-              <a:rPr lang="x-none"/>
-              <a:t>2. Forbid coding before detailed design review.</a:t>
-            </a:r>
-            <a:endParaRPr lang="en-US" dirty="0"/>
+            <a:endParaRPr lang="en-US" dirty="0" smtClean="0"/>
           </a:p>
           <a:p>
             <a:pPr algn="just"/>
             <a:r>
-              <a:rPr lang="x-none"/>
-              <a:t>3. Use a higher-order programming language.</a:t>
-            </a:r>
-            <a:endParaRPr lang="en-US" dirty="0"/>
-          </a:p>
-          <a:p>
-            <a:pPr algn="just"/>
-            <a:r>
-              <a:rPr lang="x-none"/>
-              <a:t>4. Complete unit testing before integration.</a:t>
-            </a:r>
-            <a:endParaRPr lang="en-US" dirty="0"/>
-          </a:p>
-          <a:p>
-            <a:pPr algn="just"/>
-            <a:r>
-              <a:rPr lang="x-none"/>
-              <a:t>5. Maintain detailed traceability among all artifacts.</a:t>
-            </a:r>
-            <a:endParaRPr lang="en-US" dirty="0"/>
-          </a:p>
-          <a:p>
-            <a:pPr algn="just"/>
-            <a:r>
-              <a:rPr lang="x-none"/>
-              <a:t>6. Thoroughly document each stage of the design.</a:t>
-            </a:r>
-            <a:endParaRPr lang="en-US" dirty="0"/>
-          </a:p>
-          <a:p>
-            <a:pPr algn="just"/>
-            <a:r>
-              <a:rPr lang="x-none"/>
-              <a:t>7. Assess quality with an independent team.</a:t>
-            </a:r>
-            <a:endParaRPr lang="en-US" dirty="0"/>
-          </a:p>
-          <a:p>
-            <a:pPr algn="just"/>
-            <a:r>
-              <a:rPr lang="x-none"/>
-              <a:t>8. Inspect everything.</a:t>
-            </a:r>
-            <a:endParaRPr lang="en-US" dirty="0"/>
-          </a:p>
-          <a:p>
-            <a:pPr algn="just"/>
-            <a:r>
-              <a:rPr lang="x-none"/>
-              <a:t>9. Plan everything early with high fidelity.</a:t>
-            </a:r>
-            <a:endParaRPr lang="en-US" dirty="0"/>
-          </a:p>
-          <a:p>
-            <a:pPr algn="just"/>
-            <a:r>
-              <a:rPr lang="x-none"/>
-              <a:t>10. Rigorously control source-code baselines.</a:t>
-            </a:r>
-            <a:endParaRPr lang="en-US" dirty="0"/>
-          </a:p>
-          <a:p>
-            <a:pPr algn="just"/>
-            <a:endParaRPr lang="en-US" dirty="0"/>
+              <a:rPr lang="en-US" dirty="0" smtClean="0"/>
+              <a:t>The </a:t>
+            </a:r>
+            <a:r>
+              <a:rPr lang="en-US" dirty="0"/>
+              <a:t>life cycle typically follows a sequential transition from requirements to design to code to testing, with ad hoc documentation that attempts to capture complete intermediate representations at every stage.</a:t>
+            </a:r>
+          </a:p>
+        </p:txBody>
+      </p:sp>
+      <p:sp>
+        <p:nvSpPr>
+          <p:cNvPr id="3" name="Title 2"/>
+          <p:cNvSpPr>
+            <a:spLocks noGrp="1"/>
+          </p:cNvSpPr>
+          <p:nvPr>
+            <p:ph type="title"/>
+          </p:nvPr>
+        </p:nvSpPr>
+        <p:spPr/>
+        <p:txBody>
+          <a:bodyPr/>
+          <a:lstStyle/>
+          <a:p>
+            <a:r>
+              <a:rPr lang="en-US" dirty="0"/>
+              <a:t>Conventional Software Management</a:t>
+            </a:r>
           </a:p>
         </p:txBody>
       </p:sp>
     </p:spTree>
     <p:extLst>
       <p:ext uri="{BB962C8B-B14F-4D97-AF65-F5344CB8AC3E}">
-        <p14:creationId xmlns:p14="http://schemas.microsoft.com/office/powerpoint/2010/main" val="689387280"/>
+        <p14:creationId xmlns:p14="http://schemas.microsoft.com/office/powerpoint/2010/main" val="1431493666"/>
       </p:ext>
     </p:extLst>
   </p:cSld>
   <p:clrMapOvr>
     <a:masterClrMapping/>
   </p:clrMapOvr>
+  <p:timing>
+    <p:tnLst>
+      <p:par>
+        <p:cTn id="1" dur="indefinite" restart="never" nodeType="tmRoot"/>
+      </p:par>
+    </p:tnLst>
+  </p:timing>
 </p:sld>
 </file>
 
@@ -6224,166 +6436,133 @@
           <a:chExt cx="0" cy="0"/>
         </a:xfrm>
       </p:grpSpPr>
-      <p:pic>
-        <p:nvPicPr>
-          <p:cNvPr id="4098" name="Picture 2"/>
-          <p:cNvPicPr>
-            <a:picLocks noChangeAspect="1" noChangeArrowheads="1"/>
-          </p:cNvPicPr>
-          <p:nvPr/>
-        </p:nvPicPr>
-        <p:blipFill>
-          <a:blip r:embed="rId2">
-            <a:extLst>
-              <a:ext uri="{28A0092B-C50C-407E-A947-70E740481C1C}">
-                <a14:useLocalDpi xmlns:a14="http://schemas.microsoft.com/office/drawing/2010/main" val="0"/>
-              </a:ext>
-            </a:extLst>
-          </a:blip>
-          <a:srcRect/>
-          <a:stretch>
-            <a:fillRect/>
-          </a:stretch>
-        </p:blipFill>
-        <p:spPr bwMode="auto">
-          <a:xfrm>
-            <a:off x="152401" y="381000"/>
-            <a:ext cx="8686800" cy="933628"/>
-          </a:xfrm>
-          <a:prstGeom prst="rect">
-            <a:avLst/>
-          </a:prstGeom>
-          <a:noFill/>
-          <a:ln>
-            <a:noFill/>
-          </a:ln>
-          <a:effectLst/>
-          <a:extLst>
-            <a:ext uri="{909E8E84-426E-40DD-AFC4-6F175D3DCCD1}">
-              <a14:hiddenFill xmlns:a14="http://schemas.microsoft.com/office/drawing/2010/main">
-                <a:solidFill>
-                  <a:schemeClr val="accent1"/>
-                </a:solidFill>
-              </a14:hiddenFill>
-            </a:ext>
-            <a:ext uri="{91240B29-F687-4F45-9708-019B960494DF}">
-              <a14:hiddenLine xmlns:a14="http://schemas.microsoft.com/office/drawing/2010/main" w="9525">
-                <a:solidFill>
-                  <a:schemeClr val="tx1"/>
-                </a:solidFill>
-                <a:miter lim="800000"/>
-                <a:headEnd/>
-                <a:tailEnd/>
-              </a14:hiddenLine>
-            </a:ext>
-            <a:ext uri="{AF507438-7753-43E0-B8FC-AC1667EBCBE1}">
-              <a14:hiddenEffects xmlns:a14="http://schemas.microsoft.com/office/drawing/2010/main">
-                <a:effectLst>
-                  <a:outerShdw dist="35921" dir="2700000" algn="ctr" rotWithShape="0">
-                    <a:schemeClr val="bg2"/>
-                  </a:outerShdw>
-                </a:effectLst>
-              </a14:hiddenEffects>
-            </a:ext>
-          </a:extLst>
-        </p:spPr>
-      </p:pic>
-      <p:sp>
-        <p:nvSpPr>
-          <p:cNvPr id="6" name="Rectangle 5"/>
-          <p:cNvSpPr/>
-          <p:nvPr/>
+      <p:sp>
+        <p:nvSpPr>
+          <p:cNvPr id="2" name="Content Placeholder 1"/>
+          <p:cNvSpPr>
+            <a:spLocks noGrp="1"/>
+          </p:cNvSpPr>
+          <p:nvPr>
+            <p:ph sz="quarter" idx="13"/>
+          </p:nvPr>
         </p:nvSpPr>
         <p:spPr>
           <a:xfrm>
-            <a:off x="3207884" y="1524000"/>
-            <a:ext cx="2575833" cy="369332"/>
+            <a:off x="457200" y="1524000"/>
+            <a:ext cx="8229600" cy="4572000"/>
           </a:xfrm>
-          <a:prstGeom prst="rect">
-            <a:avLst/>
-          </a:prstGeom>
         </p:spPr>
         <p:txBody>
-          <a:bodyPr wrap="none">
-            <a:spAutoFit/>
+          <a:bodyPr>
+            <a:normAutofit lnSpcReduction="10000"/>
           </a:bodyPr>
           <a:lstStyle/>
           <a:p>
-            <a:r>
-              <a:rPr lang="en-US" dirty="0"/>
-              <a:t>WATERFALLL MODEL </a:t>
-            </a:r>
-          </a:p>
-        </p:txBody>
-      </p:sp>
-      <p:pic>
-        <p:nvPicPr>
-          <p:cNvPr id="4099" name="Picture 3"/>
-          <p:cNvPicPr>
-            <a:picLocks noChangeAspect="1" noChangeArrowheads="1"/>
-          </p:cNvPicPr>
-          <p:nvPr/>
-        </p:nvPicPr>
-        <p:blipFill>
-          <a:blip r:embed="rId3">
-            <a:extLst>
-              <a:ext uri="{28A0092B-C50C-407E-A947-70E740481C1C}">
-                <a14:useLocalDpi xmlns:a14="http://schemas.microsoft.com/office/drawing/2010/main" val="0"/>
-              </a:ext>
-            </a:extLst>
-          </a:blip>
-          <a:srcRect/>
-          <a:stretch>
-            <a:fillRect/>
-          </a:stretch>
-        </p:blipFill>
-        <p:spPr bwMode="auto">
-          <a:xfrm>
-            <a:off x="555664" y="2721970"/>
-            <a:ext cx="7880273" cy="2154829"/>
-          </a:xfrm>
-          <a:prstGeom prst="rect">
-            <a:avLst/>
-          </a:prstGeom>
-          <a:noFill/>
-          <a:ln>
-            <a:noFill/>
-          </a:ln>
-          <a:effectLst/>
-          <a:extLst>
-            <a:ext uri="{909E8E84-426E-40DD-AFC4-6F175D3DCCD1}">
-              <a14:hiddenFill xmlns:a14="http://schemas.microsoft.com/office/drawing/2010/main">
-                <a:solidFill>
-                  <a:schemeClr val="accent1"/>
-                </a:solidFill>
-              </a14:hiddenFill>
-            </a:ext>
-            <a:ext uri="{91240B29-F687-4F45-9708-019B960494DF}">
-              <a14:hiddenLine xmlns:a14="http://schemas.microsoft.com/office/drawing/2010/main" w="9525">
-                <a:solidFill>
-                  <a:schemeClr val="tx1"/>
-                </a:solidFill>
-                <a:miter lim="800000"/>
-                <a:headEnd/>
-                <a:tailEnd/>
-              </a14:hiddenLine>
-            </a:ext>
-            <a:ext uri="{AF507438-7753-43E0-B8FC-AC1667EBCBE1}">
-              <a14:hiddenEffects xmlns:a14="http://schemas.microsoft.com/office/drawing/2010/main">
-                <a:effectLst>
-                  <a:outerShdw dist="35921" dir="2700000" algn="ctr" rotWithShape="0">
-                    <a:schemeClr val="bg2"/>
-                  </a:outerShdw>
-                </a:effectLst>
-              </a14:hiddenEffects>
-            </a:ext>
-          </a:extLst>
-        </p:spPr>
-      </p:pic>
+            <a:pPr algn="just"/>
+            <a:r>
+              <a:rPr lang="x-none"/>
+              <a:t>The top 10 principles of conventional software management are</a:t>
+            </a:r>
+            <a:r>
+              <a:rPr lang="x-none" smtClean="0"/>
+              <a:t>:</a:t>
+            </a:r>
+            <a:endParaRPr lang="en-US" dirty="0" smtClean="0"/>
+          </a:p>
+          <a:p>
+            <a:pPr algn="just"/>
+            <a:endParaRPr lang="en-US" dirty="0"/>
+          </a:p>
+          <a:p>
+            <a:pPr algn="just"/>
+            <a:r>
+              <a:rPr lang="x-none"/>
+              <a:t>1. Freeze requirements before design.</a:t>
+            </a:r>
+            <a:endParaRPr lang="en-US" dirty="0"/>
+          </a:p>
+          <a:p>
+            <a:pPr algn="just"/>
+            <a:r>
+              <a:rPr lang="x-none"/>
+              <a:t>2. Forbid coding before detailed design review.</a:t>
+            </a:r>
+            <a:endParaRPr lang="en-US" dirty="0"/>
+          </a:p>
+          <a:p>
+            <a:pPr algn="just"/>
+            <a:r>
+              <a:rPr lang="x-none"/>
+              <a:t>3. Use a higher-order programming language.</a:t>
+            </a:r>
+            <a:endParaRPr lang="en-US" dirty="0"/>
+          </a:p>
+          <a:p>
+            <a:pPr algn="just"/>
+            <a:r>
+              <a:rPr lang="x-none"/>
+              <a:t>4. Complete unit testing before integration.</a:t>
+            </a:r>
+            <a:endParaRPr lang="en-US" dirty="0"/>
+          </a:p>
+          <a:p>
+            <a:pPr algn="just"/>
+            <a:r>
+              <a:rPr lang="x-none"/>
+              <a:t>5. Maintain detailed traceability among all artifacts.</a:t>
+            </a:r>
+            <a:endParaRPr lang="en-US" dirty="0"/>
+          </a:p>
+          <a:p>
+            <a:pPr algn="just"/>
+            <a:r>
+              <a:rPr lang="x-none"/>
+              <a:t>6. Thoroughly document each stage of the design.</a:t>
+            </a:r>
+            <a:endParaRPr lang="en-US" dirty="0"/>
+          </a:p>
+          <a:p>
+            <a:pPr algn="just"/>
+            <a:r>
+              <a:rPr lang="x-none"/>
+              <a:t>7. Assess quality with an independent team.</a:t>
+            </a:r>
+            <a:endParaRPr lang="en-US" dirty="0"/>
+          </a:p>
+          <a:p>
+            <a:pPr algn="just"/>
+            <a:r>
+              <a:rPr lang="x-none"/>
+              <a:t>8. Inspect everything.</a:t>
+            </a:r>
+            <a:endParaRPr lang="en-US" dirty="0"/>
+          </a:p>
+          <a:p>
+            <a:pPr algn="just"/>
+            <a:r>
+              <a:rPr lang="x-none"/>
+              <a:t>9. Plan everything early with high fidelity.</a:t>
+            </a:r>
+            <a:endParaRPr lang="en-US" dirty="0"/>
+          </a:p>
+          <a:p>
+            <a:pPr algn="just"/>
+            <a:r>
+              <a:rPr lang="x-none"/>
+              <a:t>10. Rigorously control source-code baselines.</a:t>
+            </a:r>
+            <a:endParaRPr lang="en-US" dirty="0"/>
+          </a:p>
+          <a:p>
+            <a:pPr algn="just"/>
+            <a:endParaRPr lang="en-US" dirty="0"/>
+          </a:p>
+        </p:txBody>
+      </p:sp>
     </p:spTree>
     <p:extLst>
       <p:ext uri="{BB962C8B-B14F-4D97-AF65-F5344CB8AC3E}">
-        <p14:creationId xmlns:p14="http://schemas.microsoft.com/office/powerpoint/2010/main" val="1146739957"/>
+        <p14:creationId xmlns:p14="http://schemas.microsoft.com/office/powerpoint/2010/main" val="689387280"/>
       </p:ext>
     </p:extLst>
   </p:cSld>
